--- a/AWS/AWS-Cost_Optimization.pptx
+++ b/AWS/AWS-Cost_Optimization.pptx
@@ -209,7 +209,7 @@
           <a:p>
             <a:fld id="{34C307C2-D910-4122-9388-FE9DC4B9E077}" type="datetimeFigureOut">
               <a:rPr lang="en-IN" smtClean="0"/>
-              <a:t>13-12-2025</a:t>
+              <a:t>07-02-2026</a:t>
             </a:fld>
             <a:endParaRPr lang="en-IN"/>
           </a:p>
@@ -1810,7 +1810,7 @@
           <a:p>
             <a:fld id="{80B77DFC-8711-4557-8CA1-4C836922276B}" type="datetimeFigureOut">
               <a:rPr lang="en-IN" smtClean="0"/>
-              <a:t>13-12-2025</a:t>
+              <a:t>07-02-2026</a:t>
             </a:fld>
             <a:endParaRPr lang="en-IN"/>
           </a:p>
@@ -2010,7 +2010,7 @@
           <a:p>
             <a:fld id="{80B77DFC-8711-4557-8CA1-4C836922276B}" type="datetimeFigureOut">
               <a:rPr lang="en-IN" smtClean="0"/>
-              <a:t>13-12-2025</a:t>
+              <a:t>07-02-2026</a:t>
             </a:fld>
             <a:endParaRPr lang="en-IN"/>
           </a:p>
@@ -2220,7 +2220,7 @@
           <a:p>
             <a:fld id="{80B77DFC-8711-4557-8CA1-4C836922276B}" type="datetimeFigureOut">
               <a:rPr lang="en-IN" smtClean="0"/>
-              <a:t>13-12-2025</a:t>
+              <a:t>07-02-2026</a:t>
             </a:fld>
             <a:endParaRPr lang="en-IN"/>
           </a:p>
@@ -2420,7 +2420,7 @@
           <a:p>
             <a:fld id="{80B77DFC-8711-4557-8CA1-4C836922276B}" type="datetimeFigureOut">
               <a:rPr lang="en-IN" smtClean="0"/>
-              <a:t>13-12-2025</a:t>
+              <a:t>07-02-2026</a:t>
             </a:fld>
             <a:endParaRPr lang="en-IN"/>
           </a:p>
@@ -2696,7 +2696,7 @@
           <a:p>
             <a:fld id="{80B77DFC-8711-4557-8CA1-4C836922276B}" type="datetimeFigureOut">
               <a:rPr lang="en-IN" smtClean="0"/>
-              <a:t>13-12-2025</a:t>
+              <a:t>07-02-2026</a:t>
             </a:fld>
             <a:endParaRPr lang="en-IN"/>
           </a:p>
@@ -2964,7 +2964,7 @@
           <a:p>
             <a:fld id="{80B77DFC-8711-4557-8CA1-4C836922276B}" type="datetimeFigureOut">
               <a:rPr lang="en-IN" smtClean="0"/>
-              <a:t>13-12-2025</a:t>
+              <a:t>07-02-2026</a:t>
             </a:fld>
             <a:endParaRPr lang="en-IN"/>
           </a:p>
@@ -3379,7 +3379,7 @@
           <a:p>
             <a:fld id="{80B77DFC-8711-4557-8CA1-4C836922276B}" type="datetimeFigureOut">
               <a:rPr lang="en-IN" smtClean="0"/>
-              <a:t>13-12-2025</a:t>
+              <a:t>07-02-2026</a:t>
             </a:fld>
             <a:endParaRPr lang="en-IN"/>
           </a:p>
@@ -3521,7 +3521,7 @@
           <a:p>
             <a:fld id="{80B77DFC-8711-4557-8CA1-4C836922276B}" type="datetimeFigureOut">
               <a:rPr lang="en-IN" smtClean="0"/>
-              <a:t>13-12-2025</a:t>
+              <a:t>07-02-2026</a:t>
             </a:fld>
             <a:endParaRPr lang="en-IN"/>
           </a:p>
@@ -3634,7 +3634,7 @@
           <a:p>
             <a:fld id="{80B77DFC-8711-4557-8CA1-4C836922276B}" type="datetimeFigureOut">
               <a:rPr lang="en-IN" smtClean="0"/>
-              <a:t>13-12-2025</a:t>
+              <a:t>07-02-2026</a:t>
             </a:fld>
             <a:endParaRPr lang="en-IN"/>
           </a:p>
@@ -3947,7 +3947,7 @@
           <a:p>
             <a:fld id="{80B77DFC-8711-4557-8CA1-4C836922276B}" type="datetimeFigureOut">
               <a:rPr lang="en-IN" smtClean="0"/>
-              <a:t>13-12-2025</a:t>
+              <a:t>07-02-2026</a:t>
             </a:fld>
             <a:endParaRPr lang="en-IN"/>
           </a:p>
@@ -4236,7 +4236,7 @@
           <a:p>
             <a:fld id="{80B77DFC-8711-4557-8CA1-4C836922276B}" type="datetimeFigureOut">
               <a:rPr lang="en-IN" smtClean="0"/>
-              <a:t>13-12-2025</a:t>
+              <a:t>07-02-2026</a:t>
             </a:fld>
             <a:endParaRPr lang="en-IN"/>
           </a:p>
@@ -4479,7 +4479,7 @@
           <a:p>
             <a:fld id="{80B77DFC-8711-4557-8CA1-4C836922276B}" type="datetimeFigureOut">
               <a:rPr lang="en-IN" smtClean="0"/>
-              <a:t>13-12-2025</a:t>
+              <a:t>07-02-2026</a:t>
             </a:fld>
             <a:endParaRPr lang="en-IN"/>
           </a:p>
@@ -8767,7 +8767,7 @@
         <p:spPr>
           <a:xfrm>
             <a:off x="609599" y="1941684"/>
-            <a:ext cx="5279572" cy="3816429"/>
+            <a:ext cx="5279572" cy="4401205"/>
           </a:xfrm>
           <a:prstGeom prst="rect">
             <a:avLst/>
@@ -8905,6 +8905,27 @@
             <a:r>
               <a:rPr lang="en-US" sz="1400" dirty="0"/>
               <a:t>Higher discount than Compute SP</a:t>
+            </a:r>
+          </a:p>
+          <a:p>
+            <a:pPr marL="285750" indent="-285750">
+              <a:spcBef>
+                <a:spcPts val="600"/>
+              </a:spcBef>
+              <a:buFont typeface="Arial" panose="020B0604020202020204" pitchFamily="34" charset="0"/>
+              <a:buChar char="•"/>
+            </a:pPr>
+            <a:endParaRPr lang="en-US" sz="1400" dirty="0"/>
+          </a:p>
+          <a:p>
+            <a:pPr>
+              <a:spcBef>
+                <a:spcPts val="600"/>
+              </a:spcBef>
+            </a:pPr>
+            <a:r>
+              <a:rPr lang="en-US" sz="1400" b="1" dirty="0"/>
+              <a:t>3. Database Savings Plans</a:t>
             </a:r>
           </a:p>
           <a:p>
@@ -9314,10 +9335,6 @@
               <a:buFont typeface="Arial" panose="020B0604020202020204" pitchFamily="34" charset="0"/>
               <a:buChar char="•"/>
             </a:pPr>
-            <a:r>
-              <a:rPr lang="en-US" sz="1400" dirty="0"/>
-              <a:t>RDS/</a:t>
-            </a:r>
             <a:r>
               <a:rPr lang="en-US" sz="1400" dirty="0" err="1"/>
               <a:t>ElastiCache</a:t>
